--- a/content/11-services-scalability.pptx
+++ b/content/11-services-scalability.pptx
@@ -250,7 +250,7 @@
           <a:p>
             <a:fld id="{7BCB8214-0E7E-4EFC-9E1C-25F6159D4170}" type="datetimeFigureOut">
               <a:rPr lang="en-US" smtClean="0"/>
-              <a:t>9/18/2018</a:t>
+              <a:t>9/19/2018</a:t>
             </a:fld>
             <a:endParaRPr lang="en-US"/>
           </a:p>
@@ -1103,7 +1103,7 @@
           <a:p>
             <a:fld id="{C8AC65AB-5746-43EA-A59E-648FB11CA309}" type="datetimeFigureOut">
               <a:rPr lang="en-US" smtClean="0"/>
-              <a:t>9/18/2018</a:t>
+              <a:t>9/19/2018</a:t>
             </a:fld>
             <a:endParaRPr lang="en-US"/>
           </a:p>
@@ -1273,7 +1273,7 @@
           <a:p>
             <a:fld id="{C8AC65AB-5746-43EA-A59E-648FB11CA309}" type="datetimeFigureOut">
               <a:rPr lang="en-US" smtClean="0"/>
-              <a:t>9/18/2018</a:t>
+              <a:t>9/19/2018</a:t>
             </a:fld>
             <a:endParaRPr lang="en-US"/>
           </a:p>
@@ -1453,7 +1453,7 @@
           <a:p>
             <a:fld id="{C8AC65AB-5746-43EA-A59E-648FB11CA309}" type="datetimeFigureOut">
               <a:rPr lang="en-US" smtClean="0"/>
-              <a:t>9/18/2018</a:t>
+              <a:t>9/19/2018</a:t>
             </a:fld>
             <a:endParaRPr lang="en-US"/>
           </a:p>
@@ -1645,7 +1645,7 @@
           <a:p>
             <a:fld id="{C8AC65AB-5746-43EA-A59E-648FB11CA309}" type="datetimeFigureOut">
               <a:rPr lang="en-US" smtClean="0"/>
-              <a:t>9/18/2018</a:t>
+              <a:t>9/19/2018</a:t>
             </a:fld>
             <a:endParaRPr lang="en-US"/>
           </a:p>
@@ -1890,7 +1890,7 @@
           <a:p>
             <a:fld id="{C8AC65AB-5746-43EA-A59E-648FB11CA309}" type="datetimeFigureOut">
               <a:rPr lang="en-US" smtClean="0"/>
-              <a:t>9/18/2018</a:t>
+              <a:t>9/19/2018</a:t>
             </a:fld>
             <a:endParaRPr lang="en-US"/>
           </a:p>
@@ -2127,7 +2127,7 @@
           <a:p>
             <a:fld id="{C8AC65AB-5746-43EA-A59E-648FB11CA309}" type="datetimeFigureOut">
               <a:rPr lang="en-US" smtClean="0"/>
-              <a:t>9/18/2018</a:t>
+              <a:t>9/19/2018</a:t>
             </a:fld>
             <a:endParaRPr lang="en-US"/>
           </a:p>
@@ -2503,7 +2503,7 @@
           <a:p>
             <a:fld id="{C8AC65AB-5746-43EA-A59E-648FB11CA309}" type="datetimeFigureOut">
               <a:rPr lang="en-US" smtClean="0"/>
-              <a:t>9/18/2018</a:t>
+              <a:t>9/19/2018</a:t>
             </a:fld>
             <a:endParaRPr lang="en-US"/>
           </a:p>
@@ -2626,7 +2626,7 @@
           <a:p>
             <a:fld id="{C8AC65AB-5746-43EA-A59E-648FB11CA309}" type="datetimeFigureOut">
               <a:rPr lang="en-US" smtClean="0"/>
-              <a:t>9/18/2018</a:t>
+              <a:t>9/19/2018</a:t>
             </a:fld>
             <a:endParaRPr lang="en-US"/>
           </a:p>
@@ -2721,7 +2721,7 @@
           <a:p>
             <a:fld id="{C8AC65AB-5746-43EA-A59E-648FB11CA309}" type="datetimeFigureOut">
               <a:rPr lang="en-US" smtClean="0"/>
-              <a:t>9/18/2018</a:t>
+              <a:t>9/19/2018</a:t>
             </a:fld>
             <a:endParaRPr lang="en-US"/>
           </a:p>
@@ -2998,7 +2998,7 @@
           <a:p>
             <a:fld id="{C8AC65AB-5746-43EA-A59E-648FB11CA309}" type="datetimeFigureOut">
               <a:rPr lang="en-US" smtClean="0"/>
-              <a:t>9/18/2018</a:t>
+              <a:t>9/19/2018</a:t>
             </a:fld>
             <a:endParaRPr lang="en-US"/>
           </a:p>
@@ -3255,7 +3255,7 @@
           <a:p>
             <a:fld id="{C8AC65AB-5746-43EA-A59E-648FB11CA309}" type="datetimeFigureOut">
               <a:rPr lang="en-US" smtClean="0"/>
-              <a:t>9/18/2018</a:t>
+              <a:t>9/19/2018</a:t>
             </a:fld>
             <a:endParaRPr lang="en-US"/>
           </a:p>
@@ -3468,7 +3468,7 @@
           <a:p>
             <a:fld id="{C8AC65AB-5746-43EA-A59E-648FB11CA309}" type="datetimeFigureOut">
               <a:rPr lang="en-US" smtClean="0"/>
-              <a:t>9/18/2018</a:t>
+              <a:t>9/19/2018</a:t>
             </a:fld>
             <a:endParaRPr lang="en-US"/>
           </a:p>
@@ -3889,7 +3889,7 @@
                 <a16:creationId xmlns:a16="http://schemas.microsoft.com/office/drawing/2014/main" id="{6753252F-4873-4F63-801D-CC719279A7D5}"/>
               </a:ext>
               <a:ext uri="{C183D7F6-B498-43B3-948B-1728B52AA6E4}">
-                <adec:decorative xmlns:adec="http://schemas.microsoft.com/office/drawing/2017/decorative" val="1"/>
+                <adec:decorative xmlns:adec="http://schemas.microsoft.com/office/drawing/2017/decorative" xmlns="" val="1"/>
               </a:ext>
             </a:extLst>
           </p:cNvPr>
@@ -3981,7 +3981,7 @@
                 <a16:creationId xmlns:a16="http://schemas.microsoft.com/office/drawing/2014/main" id="{047C8CCB-F95D-4249-92DD-651249D3535A}"/>
               </a:ext>
               <a:ext uri="{C183D7F6-B498-43B3-948B-1728B52AA6E4}">
-                <adec:decorative xmlns:adec="http://schemas.microsoft.com/office/drawing/2017/decorative" val="1"/>
+                <adec:decorative xmlns:adec="http://schemas.microsoft.com/office/drawing/2017/decorative" xmlns="" val="1"/>
               </a:ext>
             </a:extLst>
           </p:cNvPr>
@@ -5611,7 +5611,7 @@
                 <a14:useLocalDpi xmlns:a14="http://schemas.microsoft.com/office/drawing/2010/main" val="0"/>
               </a:ext>
               <a:ext uri="{96DAC541-7B7A-43D3-8B79-37D633B846F1}">
-                <asvg:svgBlip xmlns:asvg="http://schemas.microsoft.com/office/drawing/2016/SVG/main" r:embed="rId3"/>
+                <asvg:svgBlip xmlns:asvg="http://schemas.microsoft.com/office/drawing/2016/SVG/main" xmlns="" r:embed="rId3"/>
               </a:ext>
             </a:extLst>
           </a:blip>
@@ -5675,7 +5675,7 @@
                 <a16:creationId xmlns:a16="http://schemas.microsoft.com/office/drawing/2014/main" id="{C66F2F30-5DC0-44A0-BFA6-E12F46ED16DA}"/>
               </a:ext>
               <a:ext uri="{C183D7F6-B498-43B3-948B-1728B52AA6E4}">
-                <adec:decorative xmlns:adec="http://schemas.microsoft.com/office/drawing/2017/decorative" val="1"/>
+                <adec:decorative xmlns:adec="http://schemas.microsoft.com/office/drawing/2017/decorative" xmlns="" val="1"/>
               </a:ext>
             </a:extLst>
           </p:cNvPr>
@@ -5799,7 +5799,7 @@
                 <a16:creationId xmlns:a16="http://schemas.microsoft.com/office/drawing/2014/main" id="{85872F57-7F42-4F97-8391-DDC8D0054C03}"/>
               </a:ext>
               <a:ext uri="{C183D7F6-B498-43B3-948B-1728B52AA6E4}">
-                <adec:decorative xmlns:adec="http://schemas.microsoft.com/office/drawing/2017/decorative" val="1"/>
+                <adec:decorative xmlns:adec="http://schemas.microsoft.com/office/drawing/2017/decorative" xmlns="" val="1"/>
               </a:ext>
             </a:extLst>
           </p:cNvPr>
@@ -5955,7 +5955,7 @@
                 <a16:creationId xmlns:a16="http://schemas.microsoft.com/office/drawing/2014/main" id="{04DC2037-48A0-4F22-B9D4-8EAEBC780AB4}"/>
               </a:ext>
               <a:ext uri="{C183D7F6-B498-43B3-948B-1728B52AA6E4}">
-                <adec:decorative xmlns:adec="http://schemas.microsoft.com/office/drawing/2017/decorative" val="1"/>
+                <adec:decorative xmlns:adec="http://schemas.microsoft.com/office/drawing/2017/decorative" xmlns="" val="1"/>
               </a:ext>
             </a:extLst>
           </p:cNvPr>
@@ -6060,7 +6060,7 @@
                 <a16:creationId xmlns:a16="http://schemas.microsoft.com/office/drawing/2014/main" id="{0006CBFD-ADA0-43D1-9332-9C34CA1C76ED}"/>
               </a:ext>
               <a:ext uri="{C183D7F6-B498-43B3-948B-1728B52AA6E4}">
-                <adec:decorative xmlns:adec="http://schemas.microsoft.com/office/drawing/2017/decorative" val="1"/>
+                <adec:decorative xmlns:adec="http://schemas.microsoft.com/office/drawing/2017/decorative" xmlns="" val="1"/>
               </a:ext>
             </a:extLst>
           </p:cNvPr>
@@ -6168,7 +6168,7 @@
                 <a16:creationId xmlns:a16="http://schemas.microsoft.com/office/drawing/2014/main" id="{2B931666-F28F-45F3-A074-66D2272D580B}"/>
               </a:ext>
               <a:ext uri="{C183D7F6-B498-43B3-948B-1728B52AA6E4}">
-                <adec:decorative xmlns:adec="http://schemas.microsoft.com/office/drawing/2017/decorative" val="1"/>
+                <adec:decorative xmlns:adec="http://schemas.microsoft.com/office/drawing/2017/decorative" xmlns="" val="1"/>
               </a:ext>
             </a:extLst>
           </p:cNvPr>
@@ -6549,7 +6549,7 @@
                 <a14:useLocalDpi xmlns:a14="http://schemas.microsoft.com/office/drawing/2010/main" val="0"/>
               </a:ext>
               <a:ext uri="{96DAC541-7B7A-43D3-8B79-37D633B846F1}">
-                <asvg:svgBlip xmlns:asvg="http://schemas.microsoft.com/office/drawing/2016/SVG/main" r:embed="rId4"/>
+                <asvg:svgBlip xmlns:asvg="http://schemas.microsoft.com/office/drawing/2016/SVG/main" xmlns="" r:embed="rId4"/>
               </a:ext>
             </a:extLst>
           </a:blip>
@@ -6575,7 +6575,7 @@
                 <a16:creationId xmlns:a16="http://schemas.microsoft.com/office/drawing/2014/main" id="{1A882A9F-F4E9-4E23-8F0B-20B5DF42EAA9}"/>
               </a:ext>
               <a:ext uri="{C183D7F6-B498-43B3-948B-1728B52AA6E4}">
-                <adec:decorative xmlns:adec="http://schemas.microsoft.com/office/drawing/2017/decorative" val="1"/>
+                <adec:decorative xmlns:adec="http://schemas.microsoft.com/office/drawing/2017/decorative" xmlns="" val="1"/>
               </a:ext>
             </a:extLst>
           </p:cNvPr>
@@ -6669,7 +6669,7 @@
                 <a16:creationId xmlns:a16="http://schemas.microsoft.com/office/drawing/2014/main" id="{FBE9F90C-C163-435B-9A68-D15C92D1CF2B}"/>
               </a:ext>
               <a:ext uri="{C183D7F6-B498-43B3-948B-1728B52AA6E4}">
-                <adec:decorative xmlns:adec="http://schemas.microsoft.com/office/drawing/2017/decorative" val="1"/>
+                <adec:decorative xmlns:adec="http://schemas.microsoft.com/office/drawing/2017/decorative" xmlns="" val="1"/>
               </a:ext>
             </a:extLst>
           </p:cNvPr>
@@ -6763,7 +6763,7 @@
                 <a16:creationId xmlns:a16="http://schemas.microsoft.com/office/drawing/2014/main" id="{CDA1A2E9-63FE-408D-A803-8E306ECAB4B3}"/>
               </a:ext>
               <a:ext uri="{C183D7F6-B498-43B3-948B-1728B52AA6E4}">
-                <adec:decorative xmlns:adec="http://schemas.microsoft.com/office/drawing/2017/decorative" val="1"/>
+                <adec:decorative xmlns:adec="http://schemas.microsoft.com/office/drawing/2017/decorative" xmlns="" val="1"/>
               </a:ext>
             </a:extLst>
           </p:cNvPr>
@@ -7028,7 +7028,7 @@
                 <a16:creationId xmlns:a16="http://schemas.microsoft.com/office/drawing/2014/main" id="{CDA1A2E9-63FE-408D-A803-8E306ECAB4B3}"/>
               </a:ext>
               <a:ext uri="{C183D7F6-B498-43B3-948B-1728B52AA6E4}">
-                <adec:decorative xmlns:adec="http://schemas.microsoft.com/office/drawing/2017/decorative" val="1"/>
+                <adec:decorative xmlns:adec="http://schemas.microsoft.com/office/drawing/2017/decorative" xmlns="" val="1"/>
               </a:ext>
             </a:extLst>
           </p:cNvPr>
@@ -7164,7 +7164,7 @@
                 <a16:creationId xmlns:a16="http://schemas.microsoft.com/office/drawing/2014/main" id="{FBE9F90C-C163-435B-9A68-D15C92D1CF2B}"/>
               </a:ext>
               <a:ext uri="{C183D7F6-B498-43B3-948B-1728B52AA6E4}">
-                <adec:decorative xmlns:adec="http://schemas.microsoft.com/office/drawing/2017/decorative" val="1"/>
+                <adec:decorative xmlns:adec="http://schemas.microsoft.com/office/drawing/2017/decorative" xmlns="" val="1"/>
               </a:ext>
             </a:extLst>
           </p:cNvPr>
@@ -7316,7 +7316,7 @@
                 <a14:useLocalDpi xmlns:a14="http://schemas.microsoft.com/office/drawing/2010/main" val="0"/>
               </a:ext>
               <a:ext uri="{96DAC541-7B7A-43D3-8B79-37D633B846F1}">
-                <asvg:svgBlip xmlns:asvg="http://schemas.microsoft.com/office/drawing/2016/SVG/main" r:embed="rId3"/>
+                <asvg:svgBlip xmlns:asvg="http://schemas.microsoft.com/office/drawing/2016/SVG/main" xmlns="" r:embed="rId3"/>
               </a:ext>
             </a:extLst>
           </a:blip>
@@ -7342,7 +7342,7 @@
                 <a16:creationId xmlns:a16="http://schemas.microsoft.com/office/drawing/2014/main" id="{1A882A9F-F4E9-4E23-8F0B-20B5DF42EAA9}"/>
               </a:ext>
               <a:ext uri="{C183D7F6-B498-43B3-948B-1728B52AA6E4}">
-                <adec:decorative xmlns:adec="http://schemas.microsoft.com/office/drawing/2017/decorative" val="1"/>
+                <adec:decorative xmlns:adec="http://schemas.microsoft.com/office/drawing/2017/decorative" xmlns="" val="1"/>
               </a:ext>
             </a:extLst>
           </p:cNvPr>
@@ -7487,7 +7487,7 @@
                 <a14:useLocalDpi xmlns:a14="http://schemas.microsoft.com/office/drawing/2010/main" val="0"/>
               </a:ext>
               <a:ext uri="{96DAC541-7B7A-43D3-8B79-37D633B846F1}">
-                <asvg:svgBlip xmlns:asvg="http://schemas.microsoft.com/office/drawing/2016/SVG/main" r:embed="rId3"/>
+                <asvg:svgBlip xmlns:asvg="http://schemas.microsoft.com/office/drawing/2016/SVG/main" xmlns="" r:embed="rId3"/>
               </a:ext>
             </a:extLst>
           </a:blip>
@@ -7513,7 +7513,7 @@
                 <a16:creationId xmlns:a16="http://schemas.microsoft.com/office/drawing/2014/main" id="{1A882A9F-F4E9-4E23-8F0B-20B5DF42EAA9}"/>
               </a:ext>
               <a:ext uri="{C183D7F6-B498-43B3-948B-1728B52AA6E4}">
-                <adec:decorative xmlns:adec="http://schemas.microsoft.com/office/drawing/2017/decorative" val="1"/>
+                <adec:decorative xmlns:adec="http://schemas.microsoft.com/office/drawing/2017/decorative" xmlns="" val="1"/>
               </a:ext>
             </a:extLst>
           </p:cNvPr>
@@ -7607,7 +7607,7 @@
                 <a16:creationId xmlns:a16="http://schemas.microsoft.com/office/drawing/2014/main" id="{FBE9F90C-C163-435B-9A68-D15C92D1CF2B}"/>
               </a:ext>
               <a:ext uri="{C183D7F6-B498-43B3-948B-1728B52AA6E4}">
-                <adec:decorative xmlns:adec="http://schemas.microsoft.com/office/drawing/2017/decorative" val="1"/>
+                <adec:decorative xmlns:adec="http://schemas.microsoft.com/office/drawing/2017/decorative" xmlns="" val="1"/>
               </a:ext>
             </a:extLst>
           </p:cNvPr>
@@ -7701,7 +7701,7 @@
                 <a16:creationId xmlns:a16="http://schemas.microsoft.com/office/drawing/2014/main" id="{CDA1A2E9-63FE-408D-A803-8E306ECAB4B3}"/>
               </a:ext>
               <a:ext uri="{C183D7F6-B498-43B3-948B-1728B52AA6E4}">
-                <adec:decorative xmlns:adec="http://schemas.microsoft.com/office/drawing/2017/decorative" val="1"/>
+                <adec:decorative xmlns:adec="http://schemas.microsoft.com/office/drawing/2017/decorative" xmlns="" val="1"/>
               </a:ext>
             </a:extLst>
           </p:cNvPr>
@@ -7927,7 +7927,7 @@
                 <a14:useLocalDpi xmlns:a14="http://schemas.microsoft.com/office/drawing/2010/main" val="0"/>
               </a:ext>
               <a:ext uri="{96DAC541-7B7A-43D3-8B79-37D633B846F1}">
-                <asvg:svgBlip xmlns:asvg="http://schemas.microsoft.com/office/drawing/2016/SVG/main" r:embed="rId3"/>
+                <asvg:svgBlip xmlns:asvg="http://schemas.microsoft.com/office/drawing/2016/SVG/main" xmlns="" r:embed="rId3"/>
               </a:ext>
             </a:extLst>
           </a:blip>
@@ -8080,7 +8080,7 @@
                 <a16:creationId xmlns:a16="http://schemas.microsoft.com/office/drawing/2014/main" id="{F98ED85F-DCEE-4B50-802E-71A6E3E12B04}"/>
               </a:ext>
               <a:ext uri="{C183D7F6-B498-43B3-948B-1728B52AA6E4}">
-                <adec:decorative xmlns:adec="http://schemas.microsoft.com/office/drawing/2017/decorative" val="1"/>
+                <adec:decorative xmlns:adec="http://schemas.microsoft.com/office/drawing/2017/decorative" xmlns="" val="1"/>
               </a:ext>
             </a:extLst>
           </p:cNvPr>
@@ -10109,7 +10109,7 @@
                       <a14:useLocalDpi xmlns:a14="http://schemas.microsoft.com/office/drawing/2010/main" val="0"/>
                     </a:ext>
                     <a:ext uri="{96DAC541-7B7A-43D3-8B79-37D633B846F1}">
-                      <asvg:svgBlip xmlns:asvg="http://schemas.microsoft.com/office/drawing/2016/SVG/main" r:embed="rId4"/>
+                      <asvg:svgBlip xmlns:asvg="http://schemas.microsoft.com/office/drawing/2016/SVG/main" xmlns="" r:embed="rId4"/>
                     </a:ext>
                   </a:extLst>
                 </a:blip>
@@ -10255,7 +10255,7 @@
                       <a14:useLocalDpi xmlns:a14="http://schemas.microsoft.com/office/drawing/2010/main" val="0"/>
                     </a:ext>
                     <a:ext uri="{96DAC541-7B7A-43D3-8B79-37D633B846F1}">
-                      <asvg:svgBlip xmlns:asvg="http://schemas.microsoft.com/office/drawing/2016/SVG/main" r:embed="rId6"/>
+                      <asvg:svgBlip xmlns:asvg="http://schemas.microsoft.com/office/drawing/2016/SVG/main" xmlns="" r:embed="rId6"/>
                     </a:ext>
                   </a:extLst>
                 </a:blip>
@@ -10401,7 +10401,7 @@
                       <a14:useLocalDpi xmlns:a14="http://schemas.microsoft.com/office/drawing/2010/main" val="0"/>
                     </a:ext>
                     <a:ext uri="{96DAC541-7B7A-43D3-8B79-37D633B846F1}">
-                      <asvg:svgBlip xmlns:asvg="http://schemas.microsoft.com/office/drawing/2016/SVG/main" r:embed="rId8"/>
+                      <asvg:svgBlip xmlns:asvg="http://schemas.microsoft.com/office/drawing/2016/SVG/main" xmlns="" r:embed="rId8"/>
                     </a:ext>
                   </a:extLst>
                 </a:blip>
@@ -10547,7 +10547,7 @@
                       <a14:useLocalDpi xmlns:a14="http://schemas.microsoft.com/office/drawing/2010/main" val="0"/>
                     </a:ext>
                     <a:ext uri="{96DAC541-7B7A-43D3-8B79-37D633B846F1}">
-                      <asvg:svgBlip xmlns:asvg="http://schemas.microsoft.com/office/drawing/2016/SVG/main" r:embed="rId10"/>
+                      <asvg:svgBlip xmlns:asvg="http://schemas.microsoft.com/office/drawing/2016/SVG/main" xmlns="" r:embed="rId10"/>
                     </a:ext>
                   </a:extLst>
                 </a:blip>
@@ -10760,7 +10760,7 @@
                       <a14:useLocalDpi xmlns:a14="http://schemas.microsoft.com/office/drawing/2010/main" val="0"/>
                     </a:ext>
                     <a:ext uri="{96DAC541-7B7A-43D3-8B79-37D633B846F1}">
-                      <asvg:svgBlip xmlns:asvg="http://schemas.microsoft.com/office/drawing/2016/SVG/main" r:embed="rId4"/>
+                      <asvg:svgBlip xmlns:asvg="http://schemas.microsoft.com/office/drawing/2016/SVG/main" xmlns="" r:embed="rId4"/>
                     </a:ext>
                   </a:extLst>
                 </a:blip>
@@ -10906,7 +10906,7 @@
                       <a14:useLocalDpi xmlns:a14="http://schemas.microsoft.com/office/drawing/2010/main" val="0"/>
                     </a:ext>
                     <a:ext uri="{96DAC541-7B7A-43D3-8B79-37D633B846F1}">
-                      <asvg:svgBlip xmlns:asvg="http://schemas.microsoft.com/office/drawing/2016/SVG/main" r:embed="rId6"/>
+                      <asvg:svgBlip xmlns:asvg="http://schemas.microsoft.com/office/drawing/2016/SVG/main" xmlns="" r:embed="rId6"/>
                     </a:ext>
                   </a:extLst>
                 </a:blip>
@@ -11177,7 +11177,7 @@
                       <a14:useLocalDpi xmlns:a14="http://schemas.microsoft.com/office/drawing/2010/main" val="0"/>
                     </a:ext>
                     <a:ext uri="{96DAC541-7B7A-43D3-8B79-37D633B846F1}">
-                      <asvg:svgBlip xmlns:asvg="http://schemas.microsoft.com/office/drawing/2016/SVG/main" r:embed="rId8"/>
+                      <asvg:svgBlip xmlns:asvg="http://schemas.microsoft.com/office/drawing/2016/SVG/main" xmlns="" r:embed="rId8"/>
                     </a:ext>
                   </a:extLst>
                 </a:blip>
@@ -11323,7 +11323,7 @@
                       <a14:useLocalDpi xmlns:a14="http://schemas.microsoft.com/office/drawing/2010/main" val="0"/>
                     </a:ext>
                     <a:ext uri="{96DAC541-7B7A-43D3-8B79-37D633B846F1}">
-                      <asvg:svgBlip xmlns:asvg="http://schemas.microsoft.com/office/drawing/2016/SVG/main" r:embed="rId10"/>
+                      <asvg:svgBlip xmlns:asvg="http://schemas.microsoft.com/office/drawing/2016/SVG/main" xmlns="" r:embed="rId10"/>
                     </a:ext>
                   </a:extLst>
                 </a:blip>
